--- a/donor.pptx
+++ b/donor.pptx
@@ -106,7 +106,7 @@
   </p:defaultTextStyle>
   <p:extLst>
     <p:ext uri="{EFAFB233-063F-42B5-8137-9DF3F51BA10A}">
-      <p15:sldGuideLst xmlns:p15="http://schemas.microsoft.com/office/powerpoint/2012/main">
+      <p15:sldGuideLst xmlns:p15="http://schemas.microsoft.com/office/powerpoint/2012/main" xmlns="">
         <p15:guide id="1" orient="horz" pos="2160">
           <p15:clr>
             <a:srgbClr val="A4A3A4"/>
@@ -304,7 +304,7 @@
           <a:p>
             <a:fld id="{07AF7C9C-3FFC-F543-8CD5-56B058077314}" type="datetimeFigureOut">
               <a:rPr lang="en-US" smtClean="0"/>
-              <a:t>6/20/18</a:t>
+              <a:t>20/06/18</a:t>
             </a:fld>
             <a:endParaRPr lang="en-US"/>
           </a:p>
@@ -474,7 +474,7 @@
           <a:p>
             <a:fld id="{07AF7C9C-3FFC-F543-8CD5-56B058077314}" type="datetimeFigureOut">
               <a:rPr lang="en-US" smtClean="0"/>
-              <a:t>6/20/18</a:t>
+              <a:t>20/06/18</a:t>
             </a:fld>
             <a:endParaRPr lang="en-US"/>
           </a:p>
@@ -654,7 +654,7 @@
           <a:p>
             <a:fld id="{07AF7C9C-3FFC-F543-8CD5-56B058077314}" type="datetimeFigureOut">
               <a:rPr lang="en-US" smtClean="0"/>
-              <a:t>6/20/18</a:t>
+              <a:t>20/06/18</a:t>
             </a:fld>
             <a:endParaRPr lang="en-US"/>
           </a:p>
@@ -824,7 +824,7 @@
           <a:p>
             <a:fld id="{07AF7C9C-3FFC-F543-8CD5-56B058077314}" type="datetimeFigureOut">
               <a:rPr lang="en-US" smtClean="0"/>
-              <a:t>6/20/18</a:t>
+              <a:t>20/06/18</a:t>
             </a:fld>
             <a:endParaRPr lang="en-US"/>
           </a:p>
@@ -1070,7 +1070,7 @@
           <a:p>
             <a:fld id="{07AF7C9C-3FFC-F543-8CD5-56B058077314}" type="datetimeFigureOut">
               <a:rPr lang="en-US" smtClean="0"/>
-              <a:t>6/20/18</a:t>
+              <a:t>20/06/18</a:t>
             </a:fld>
             <a:endParaRPr lang="en-US"/>
           </a:p>
@@ -1358,7 +1358,7 @@
           <a:p>
             <a:fld id="{07AF7C9C-3FFC-F543-8CD5-56B058077314}" type="datetimeFigureOut">
               <a:rPr lang="en-US" smtClean="0"/>
-              <a:t>6/20/18</a:t>
+              <a:t>20/06/18</a:t>
             </a:fld>
             <a:endParaRPr lang="en-US"/>
           </a:p>
@@ -1780,7 +1780,7 @@
           <a:p>
             <a:fld id="{07AF7C9C-3FFC-F543-8CD5-56B058077314}" type="datetimeFigureOut">
               <a:rPr lang="en-US" smtClean="0"/>
-              <a:t>6/20/18</a:t>
+              <a:t>20/06/18</a:t>
             </a:fld>
             <a:endParaRPr lang="en-US"/>
           </a:p>
@@ -1898,7 +1898,7 @@
           <a:p>
             <a:fld id="{07AF7C9C-3FFC-F543-8CD5-56B058077314}" type="datetimeFigureOut">
               <a:rPr lang="en-US" smtClean="0"/>
-              <a:t>6/20/18</a:t>
+              <a:t>20/06/18</a:t>
             </a:fld>
             <a:endParaRPr lang="en-US"/>
           </a:p>
@@ -1993,7 +1993,7 @@
           <a:p>
             <a:fld id="{07AF7C9C-3FFC-F543-8CD5-56B058077314}" type="datetimeFigureOut">
               <a:rPr lang="en-US" smtClean="0"/>
-              <a:t>6/20/18</a:t>
+              <a:t>20/06/18</a:t>
             </a:fld>
             <a:endParaRPr lang="en-US"/>
           </a:p>
@@ -2270,7 +2270,7 @@
           <a:p>
             <a:fld id="{07AF7C9C-3FFC-F543-8CD5-56B058077314}" type="datetimeFigureOut">
               <a:rPr lang="en-US" smtClean="0"/>
-              <a:t>6/20/18</a:t>
+              <a:t>20/06/18</a:t>
             </a:fld>
             <a:endParaRPr lang="en-US"/>
           </a:p>
@@ -2523,7 +2523,7 @@
           <a:p>
             <a:fld id="{07AF7C9C-3FFC-F543-8CD5-56B058077314}" type="datetimeFigureOut">
               <a:rPr lang="en-US" smtClean="0"/>
-              <a:t>6/20/18</a:t>
+              <a:t>20/06/18</a:t>
             </a:fld>
             <a:endParaRPr lang="en-US"/>
           </a:p>
@@ -2736,7 +2736,7 @@
           <a:p>
             <a:fld id="{07AF7C9C-3FFC-F543-8CD5-56B058077314}" type="datetimeFigureOut">
               <a:rPr lang="en-US" smtClean="0"/>
-              <a:t>6/20/18</a:t>
+              <a:t>20/06/18</a:t>
             </a:fld>
             <a:endParaRPr lang="en-US"/>
           </a:p>
@@ -3121,16 +3121,15 @@
         </p:nvSpPr>
         <p:spPr>
           <a:xfrm>
-            <a:off x="300939" y="173619"/>
-            <a:ext cx="8565268" cy="6423951"/>
+            <a:off x="1597379" y="173619"/>
+            <a:ext cx="7268828" cy="5263175"/>
           </a:xfrm>
           <a:prstGeom prst="rect">
             <a:avLst/>
           </a:prstGeom>
           <a:solidFill>
-            <a:schemeClr val="accent4">
-              <a:lumMod val="60000"/>
-              <a:lumOff val="40000"/>
+            <a:schemeClr val="bg1">
+              <a:lumMod val="85000"/>
             </a:schemeClr>
           </a:solidFill>
         </p:spPr>
@@ -3170,6 +3169,7 @@
           </a:xfrm>
           <a:custGeom>
             <a:avLst/>
+            <a:gdLst/>
             <a:ahLst/>
             <a:cxnLst/>
             <a:rect l="l" t="t" r="r" b="b"/>
@@ -3267,7 +3267,7 @@
   <p:timing>
     <p:tnLst>
       <p:par>
-        <p:cTn id="1" dur="indefinite" restart="never" nodeType="tmRoot">
+        <p:cTn xmlns:p14="http://schemas.microsoft.com/office/powerpoint/2010/main" id="1" dur="indefinite" restart="never" nodeType="tmRoot">
           <p:childTnLst>
             <p:seq concurrent="1" nextAc="seek">
               <p:cTn id="2" dur="indefinite" nodeType="mainSeq">
@@ -3290,7 +3290,7 @@
                                     <p:cond delay="0"/>
                                   </p:stCondLst>
                                   <p:childTnLst>
-                                    <p:animMotion origin="layout" path="M 0 0 L 0 0 C 0.00087 0.03449 -0.00017 0.03148 0.00243 0.05393 C 0.0033 0.06065 0.00382 0.06736 0.00504 0.07407 C 0.00591 0.07847 0.00504 0.08426 0.00747 0.0875 C 0.00921 0.08981 0.01129 0.09166 0.0125 0.09421 " pathEditMode="relative" ptsTypes="AAAAAAAAAAAAAAAAAAAAAAAAAAAAAAA">
+                                    <p:animMotion origin="layout" path="M 0.0 0.0 L 0.4 0.4 L 0.6 0.3 " pathEditMode="relative">
                                       <p:cBhvr>
                                         <p:cTn id="6" dur="2000" fill="hold"/>
                                         <p:tgtEl>

--- a/donor.pptx
+++ b/donor.pptx
@@ -3164,7 +3164,7 @@
         </p:nvSpPr>
         <p:spPr>
           <a:xfrm>
-            <a:off x="2004164" y="1220048"/>
+            <a:off x="0" y="0"/>
             <a:ext cx="1478320" cy="1696772"/>
           </a:xfrm>
           <a:custGeom>

--- a/donor.pptx
+++ b/donor.pptx
@@ -106,7 +106,7 @@
   </p:defaultTextStyle>
   <p:extLst>
     <p:ext uri="{EFAFB233-063F-42B5-8137-9DF3F51BA10A}">
-      <p15:sldGuideLst xmlns:p15="http://schemas.microsoft.com/office/powerpoint/2012/main" xmlns="">
+      <p15:sldGuideLst xmlns="" xmlns:p15="http://schemas.microsoft.com/office/powerpoint/2012/main">
         <p15:guide id="1" orient="horz" pos="2160">
           <p15:clr>
             <a:srgbClr val="A4A3A4"/>
@@ -3164,7 +3164,7 @@
         </p:nvSpPr>
         <p:spPr>
           <a:xfrm>
-            <a:off x="0" y="0"/>
+            <a:off x="2113302" y="1964389"/>
             <a:ext cx="1478320" cy="1696772"/>
           </a:xfrm>
           <a:custGeom>

--- a/donor.pptx
+++ b/donor.pptx
@@ -106,7 +106,7 @@
   </p:defaultTextStyle>
   <p:extLst>
     <p:ext uri="{EFAFB233-063F-42B5-8137-9DF3F51BA10A}">
-      <p15:sldGuideLst xmlns="" xmlns:p15="http://schemas.microsoft.com/office/powerpoint/2012/main">
+      <p15:sldGuideLst xmlns:p15="http://schemas.microsoft.com/office/powerpoint/2012/main">
         <p15:guide id="1" orient="horz" pos="2160">
           <p15:clr>
             <a:srgbClr val="A4A3A4"/>
@@ -304,7 +304,7 @@
           <a:p>
             <a:fld id="{07AF7C9C-3FFC-F543-8CD5-56B058077314}" type="datetimeFigureOut">
               <a:rPr lang="en-US" smtClean="0"/>
-              <a:t>20/06/18</a:t>
+              <a:t>6/25/18</a:t>
             </a:fld>
             <a:endParaRPr lang="en-US"/>
           </a:p>
@@ -474,7 +474,7 @@
           <a:p>
             <a:fld id="{07AF7C9C-3FFC-F543-8CD5-56B058077314}" type="datetimeFigureOut">
               <a:rPr lang="en-US" smtClean="0"/>
-              <a:t>20/06/18</a:t>
+              <a:t>6/25/18</a:t>
             </a:fld>
             <a:endParaRPr lang="en-US"/>
           </a:p>
@@ -654,7 +654,7 @@
           <a:p>
             <a:fld id="{07AF7C9C-3FFC-F543-8CD5-56B058077314}" type="datetimeFigureOut">
               <a:rPr lang="en-US" smtClean="0"/>
-              <a:t>20/06/18</a:t>
+              <a:t>6/25/18</a:t>
             </a:fld>
             <a:endParaRPr lang="en-US"/>
           </a:p>
@@ -824,7 +824,7 @@
           <a:p>
             <a:fld id="{07AF7C9C-3FFC-F543-8CD5-56B058077314}" type="datetimeFigureOut">
               <a:rPr lang="en-US" smtClean="0"/>
-              <a:t>20/06/18</a:t>
+              <a:t>6/25/18</a:t>
             </a:fld>
             <a:endParaRPr lang="en-US"/>
           </a:p>
@@ -1070,7 +1070,7 @@
           <a:p>
             <a:fld id="{07AF7C9C-3FFC-F543-8CD5-56B058077314}" type="datetimeFigureOut">
               <a:rPr lang="en-US" smtClean="0"/>
-              <a:t>20/06/18</a:t>
+              <a:t>6/25/18</a:t>
             </a:fld>
             <a:endParaRPr lang="en-US"/>
           </a:p>
@@ -1358,7 +1358,7 @@
           <a:p>
             <a:fld id="{07AF7C9C-3FFC-F543-8CD5-56B058077314}" type="datetimeFigureOut">
               <a:rPr lang="en-US" smtClean="0"/>
-              <a:t>20/06/18</a:t>
+              <a:t>6/25/18</a:t>
             </a:fld>
             <a:endParaRPr lang="en-US"/>
           </a:p>
@@ -1780,7 +1780,7 @@
           <a:p>
             <a:fld id="{07AF7C9C-3FFC-F543-8CD5-56B058077314}" type="datetimeFigureOut">
               <a:rPr lang="en-US" smtClean="0"/>
-              <a:t>20/06/18</a:t>
+              <a:t>6/25/18</a:t>
             </a:fld>
             <a:endParaRPr lang="en-US"/>
           </a:p>
@@ -1898,7 +1898,7 @@
           <a:p>
             <a:fld id="{07AF7C9C-3FFC-F543-8CD5-56B058077314}" type="datetimeFigureOut">
               <a:rPr lang="en-US" smtClean="0"/>
-              <a:t>20/06/18</a:t>
+              <a:t>6/25/18</a:t>
             </a:fld>
             <a:endParaRPr lang="en-US"/>
           </a:p>
@@ -1993,7 +1993,7 @@
           <a:p>
             <a:fld id="{07AF7C9C-3FFC-F543-8CD5-56B058077314}" type="datetimeFigureOut">
               <a:rPr lang="en-US" smtClean="0"/>
-              <a:t>20/06/18</a:t>
+              <a:t>6/25/18</a:t>
             </a:fld>
             <a:endParaRPr lang="en-US"/>
           </a:p>
@@ -2270,7 +2270,7 @@
           <a:p>
             <a:fld id="{07AF7C9C-3FFC-F543-8CD5-56B058077314}" type="datetimeFigureOut">
               <a:rPr lang="en-US" smtClean="0"/>
-              <a:t>20/06/18</a:t>
+              <a:t>6/25/18</a:t>
             </a:fld>
             <a:endParaRPr lang="en-US"/>
           </a:p>
@@ -2523,7 +2523,7 @@
           <a:p>
             <a:fld id="{07AF7C9C-3FFC-F543-8CD5-56B058077314}" type="datetimeFigureOut">
               <a:rPr lang="en-US" smtClean="0"/>
-              <a:t>20/06/18</a:t>
+              <a:t>6/25/18</a:t>
             </a:fld>
             <a:endParaRPr lang="en-US"/>
           </a:p>
@@ -2736,7 +2736,7 @@
           <a:p>
             <a:fld id="{07AF7C9C-3FFC-F543-8CD5-56B058077314}" type="datetimeFigureOut">
               <a:rPr lang="en-US" smtClean="0"/>
-              <a:t>20/06/18</a:t>
+              <a:t>6/25/18</a:t>
             </a:fld>
             <a:endParaRPr lang="en-US"/>
           </a:p>
@@ -3250,7 +3250,11 @@
           <a:lstStyle/>
           <a:p>
             <a:pPr algn="ctr"/>
-            <a:endParaRPr lang="en-US"/>
+            <a:r>
+              <a:rPr lang="en-US" sz="800" dirty="0" smtClean="0"/>
+              <a:t>a</a:t>
+            </a:r>
+            <a:endParaRPr lang="en-US" sz="800" dirty="0"/>
           </a:p>
         </p:txBody>
       </p:sp>
@@ -3267,7 +3271,7 @@
   <p:timing>
     <p:tnLst>
       <p:par>
-        <p:cTn xmlns:p14="http://schemas.microsoft.com/office/powerpoint/2010/main" id="1" dur="indefinite" restart="never" nodeType="tmRoot">
+        <p:cTn id="1" dur="indefinite" restart="never" nodeType="tmRoot">
           <p:childTnLst>
             <p:seq concurrent="1" nextAc="seek">
               <p:cTn id="2" dur="indefinite" nodeType="mainSeq">

--- a/donor.pptx
+++ b/donor.pptx
@@ -304,7 +304,7 @@
           <a:p>
             <a:fld id="{07AF7C9C-3FFC-F543-8CD5-56B058077314}" type="datetimeFigureOut">
               <a:rPr lang="en-US" smtClean="0"/>
-              <a:t>6/25/18</a:t>
+              <a:t>6/26/18</a:t>
             </a:fld>
             <a:endParaRPr lang="en-US"/>
           </a:p>
@@ -474,7 +474,7 @@
           <a:p>
             <a:fld id="{07AF7C9C-3FFC-F543-8CD5-56B058077314}" type="datetimeFigureOut">
               <a:rPr lang="en-US" smtClean="0"/>
-              <a:t>6/25/18</a:t>
+              <a:t>6/26/18</a:t>
             </a:fld>
             <a:endParaRPr lang="en-US"/>
           </a:p>
@@ -654,7 +654,7 @@
           <a:p>
             <a:fld id="{07AF7C9C-3FFC-F543-8CD5-56B058077314}" type="datetimeFigureOut">
               <a:rPr lang="en-US" smtClean="0"/>
-              <a:t>6/25/18</a:t>
+              <a:t>6/26/18</a:t>
             </a:fld>
             <a:endParaRPr lang="en-US"/>
           </a:p>
@@ -824,7 +824,7 @@
           <a:p>
             <a:fld id="{07AF7C9C-3FFC-F543-8CD5-56B058077314}" type="datetimeFigureOut">
               <a:rPr lang="en-US" smtClean="0"/>
-              <a:t>6/25/18</a:t>
+              <a:t>6/26/18</a:t>
             </a:fld>
             <a:endParaRPr lang="en-US"/>
           </a:p>
@@ -1070,7 +1070,7 @@
           <a:p>
             <a:fld id="{07AF7C9C-3FFC-F543-8CD5-56B058077314}" type="datetimeFigureOut">
               <a:rPr lang="en-US" smtClean="0"/>
-              <a:t>6/25/18</a:t>
+              <a:t>6/26/18</a:t>
             </a:fld>
             <a:endParaRPr lang="en-US"/>
           </a:p>
@@ -1358,7 +1358,7 @@
           <a:p>
             <a:fld id="{07AF7C9C-3FFC-F543-8CD5-56B058077314}" type="datetimeFigureOut">
               <a:rPr lang="en-US" smtClean="0"/>
-              <a:t>6/25/18</a:t>
+              <a:t>6/26/18</a:t>
             </a:fld>
             <a:endParaRPr lang="en-US"/>
           </a:p>
@@ -1780,7 +1780,7 @@
           <a:p>
             <a:fld id="{07AF7C9C-3FFC-F543-8CD5-56B058077314}" type="datetimeFigureOut">
               <a:rPr lang="en-US" smtClean="0"/>
-              <a:t>6/25/18</a:t>
+              <a:t>6/26/18</a:t>
             </a:fld>
             <a:endParaRPr lang="en-US"/>
           </a:p>
@@ -1898,7 +1898,7 @@
           <a:p>
             <a:fld id="{07AF7C9C-3FFC-F543-8CD5-56B058077314}" type="datetimeFigureOut">
               <a:rPr lang="en-US" smtClean="0"/>
-              <a:t>6/25/18</a:t>
+              <a:t>6/26/18</a:t>
             </a:fld>
             <a:endParaRPr lang="en-US"/>
           </a:p>
@@ -1993,7 +1993,7 @@
           <a:p>
             <a:fld id="{07AF7C9C-3FFC-F543-8CD5-56B058077314}" type="datetimeFigureOut">
               <a:rPr lang="en-US" smtClean="0"/>
-              <a:t>6/25/18</a:t>
+              <a:t>6/26/18</a:t>
             </a:fld>
             <a:endParaRPr lang="en-US"/>
           </a:p>
@@ -2270,7 +2270,7 @@
           <a:p>
             <a:fld id="{07AF7C9C-3FFC-F543-8CD5-56B058077314}" type="datetimeFigureOut">
               <a:rPr lang="en-US" smtClean="0"/>
-              <a:t>6/25/18</a:t>
+              <a:t>6/26/18</a:t>
             </a:fld>
             <a:endParaRPr lang="en-US"/>
           </a:p>
@@ -2523,7 +2523,7 @@
           <a:p>
             <a:fld id="{07AF7C9C-3FFC-F543-8CD5-56B058077314}" type="datetimeFigureOut">
               <a:rPr lang="en-US" smtClean="0"/>
-              <a:t>6/25/18</a:t>
+              <a:t>6/26/18</a:t>
             </a:fld>
             <a:endParaRPr lang="en-US"/>
           </a:p>
@@ -2736,7 +2736,7 @@
           <a:p>
             <a:fld id="{07AF7C9C-3FFC-F543-8CD5-56B058077314}" type="datetimeFigureOut">
               <a:rPr lang="en-US" smtClean="0"/>
-              <a:t>6/25/18</a:t>
+              <a:t>6/26/18</a:t>
             </a:fld>
             <a:endParaRPr lang="en-US"/>
           </a:p>
@@ -3224,8 +3224,8 @@
         </p:nvSpPr>
         <p:spPr>
           <a:xfrm>
-            <a:off x="1886673" y="1064871"/>
-            <a:ext cx="155177" cy="155177"/>
+            <a:off x="1290686" y="-133074"/>
+            <a:ext cx="613385" cy="613385"/>
           </a:xfrm>
           <a:prstGeom prst="ellipse">
             <a:avLst/>
@@ -3251,10 +3251,10 @@
           <a:p>
             <a:pPr algn="ctr"/>
             <a:r>
-              <a:rPr lang="en-US" sz="800" dirty="0" smtClean="0"/>
-              <a:t>a</a:t>
-            </a:r>
-            <a:endParaRPr lang="en-US" sz="800" dirty="0"/>
+              <a:rPr lang="en-US" sz="1000" dirty="0" err="1" smtClean="0"/>
+              <a:t>aaaa</a:t>
+            </a:r>
+            <a:endParaRPr lang="en-US" sz="1000" dirty="0"/>
           </a:p>
         </p:txBody>
       </p:sp>

--- a/donor.pptx
+++ b/donor.pptx
@@ -3132,6 +3132,7 @@
               <a:lumMod val="85000"/>
             </a:schemeClr>
           </a:solidFill>
+          <a:ln w="38100"/>
         </p:spPr>
         <p:style>
           <a:lnRef idx="2">
@@ -3230,19 +3231,29 @@
           <a:prstGeom prst="ellipse">
             <a:avLst/>
           </a:prstGeom>
+          <a:solidFill>
+            <a:schemeClr val="bg1">
+              <a:lumMod val="95000"/>
+            </a:schemeClr>
+          </a:solidFill>
+          <a:ln w="50800">
+            <a:solidFill>
+              <a:srgbClr val="FF2600"/>
+            </a:solidFill>
+          </a:ln>
         </p:spPr>
         <p:style>
-          <a:lnRef idx="1">
-            <a:schemeClr val="accent1"/>
+          <a:lnRef idx="2">
+            <a:schemeClr val="accent3"/>
           </a:lnRef>
-          <a:fillRef idx="3">
-            <a:schemeClr val="accent1"/>
+          <a:fillRef idx="1">
+            <a:schemeClr val="lt1"/>
           </a:fillRef>
-          <a:effectRef idx="2">
-            <a:schemeClr val="accent1"/>
+          <a:effectRef idx="0">
+            <a:schemeClr val="accent3"/>
           </a:effectRef>
           <a:fontRef idx="minor">
-            <a:schemeClr val="lt1"/>
+            <a:schemeClr val="dk1"/>
           </a:fontRef>
         </p:style>
         <p:txBody>
@@ -3251,10 +3262,18 @@
           <a:p>
             <a:pPr algn="ctr"/>
             <a:r>
-              <a:rPr lang="en-US" sz="1000" dirty="0" err="1" smtClean="0"/>
+              <a:rPr lang="en-US" sz="1000" dirty="0" err="1" smtClean="0">
+                <a:solidFill>
+                  <a:sysClr val="windowText" lastClr="000000"/>
+                </a:solidFill>
+              </a:rPr>
               <a:t>aaaa</a:t>
             </a:r>
-            <a:endParaRPr lang="en-US" sz="1000" dirty="0"/>
+            <a:endParaRPr lang="en-US" sz="1000" dirty="0">
+              <a:solidFill>
+                <a:sysClr val="windowText" lastClr="000000"/>
+              </a:solidFill>
+            </a:endParaRPr>
           </a:p>
         </p:txBody>
       </p:sp>

--- a/donor.pptx
+++ b/donor.pptx
@@ -3234,6 +3234,7 @@
           <a:solidFill>
             <a:schemeClr val="bg1">
               <a:lumMod val="95000"/>
+              <a:alpha val="70000"/>
             </a:schemeClr>
           </a:solidFill>
           <a:ln w="50800">

--- a/donor.pptx
+++ b/donor.pptx
@@ -304,7 +304,7 @@
           <a:p>
             <a:fld id="{07AF7C9C-3FFC-F543-8CD5-56B058077314}" type="datetimeFigureOut">
               <a:rPr lang="en-US" smtClean="0"/>
-              <a:t>6/26/18</a:t>
+              <a:t>6/27/18</a:t>
             </a:fld>
             <a:endParaRPr lang="en-US"/>
           </a:p>
@@ -474,7 +474,7 @@
           <a:p>
             <a:fld id="{07AF7C9C-3FFC-F543-8CD5-56B058077314}" type="datetimeFigureOut">
               <a:rPr lang="en-US" smtClean="0"/>
-              <a:t>6/26/18</a:t>
+              <a:t>6/27/18</a:t>
             </a:fld>
             <a:endParaRPr lang="en-US"/>
           </a:p>
@@ -654,7 +654,7 @@
           <a:p>
             <a:fld id="{07AF7C9C-3FFC-F543-8CD5-56B058077314}" type="datetimeFigureOut">
               <a:rPr lang="en-US" smtClean="0"/>
-              <a:t>6/26/18</a:t>
+              <a:t>6/27/18</a:t>
             </a:fld>
             <a:endParaRPr lang="en-US"/>
           </a:p>
@@ -824,7 +824,7 @@
           <a:p>
             <a:fld id="{07AF7C9C-3FFC-F543-8CD5-56B058077314}" type="datetimeFigureOut">
               <a:rPr lang="en-US" smtClean="0"/>
-              <a:t>6/26/18</a:t>
+              <a:t>6/27/18</a:t>
             </a:fld>
             <a:endParaRPr lang="en-US"/>
           </a:p>
@@ -1070,7 +1070,7 @@
           <a:p>
             <a:fld id="{07AF7C9C-3FFC-F543-8CD5-56B058077314}" type="datetimeFigureOut">
               <a:rPr lang="en-US" smtClean="0"/>
-              <a:t>6/26/18</a:t>
+              <a:t>6/27/18</a:t>
             </a:fld>
             <a:endParaRPr lang="en-US"/>
           </a:p>
@@ -1358,7 +1358,7 @@
           <a:p>
             <a:fld id="{07AF7C9C-3FFC-F543-8CD5-56B058077314}" type="datetimeFigureOut">
               <a:rPr lang="en-US" smtClean="0"/>
-              <a:t>6/26/18</a:t>
+              <a:t>6/27/18</a:t>
             </a:fld>
             <a:endParaRPr lang="en-US"/>
           </a:p>
@@ -1780,7 +1780,7 @@
           <a:p>
             <a:fld id="{07AF7C9C-3FFC-F543-8CD5-56B058077314}" type="datetimeFigureOut">
               <a:rPr lang="en-US" smtClean="0"/>
-              <a:t>6/26/18</a:t>
+              <a:t>6/27/18</a:t>
             </a:fld>
             <a:endParaRPr lang="en-US"/>
           </a:p>
@@ -1898,7 +1898,7 @@
           <a:p>
             <a:fld id="{07AF7C9C-3FFC-F543-8CD5-56B058077314}" type="datetimeFigureOut">
               <a:rPr lang="en-US" smtClean="0"/>
-              <a:t>6/26/18</a:t>
+              <a:t>6/27/18</a:t>
             </a:fld>
             <a:endParaRPr lang="en-US"/>
           </a:p>
@@ -1993,7 +1993,7 @@
           <a:p>
             <a:fld id="{07AF7C9C-3FFC-F543-8CD5-56B058077314}" type="datetimeFigureOut">
               <a:rPr lang="en-US" smtClean="0"/>
-              <a:t>6/26/18</a:t>
+              <a:t>6/27/18</a:t>
             </a:fld>
             <a:endParaRPr lang="en-US"/>
           </a:p>
@@ -2270,7 +2270,7 @@
           <a:p>
             <a:fld id="{07AF7C9C-3FFC-F543-8CD5-56B058077314}" type="datetimeFigureOut">
               <a:rPr lang="en-US" smtClean="0"/>
-              <a:t>6/26/18</a:t>
+              <a:t>6/27/18</a:t>
             </a:fld>
             <a:endParaRPr lang="en-US"/>
           </a:p>
@@ -2523,7 +2523,7 @@
           <a:p>
             <a:fld id="{07AF7C9C-3FFC-F543-8CD5-56B058077314}" type="datetimeFigureOut">
               <a:rPr lang="en-US" smtClean="0"/>
-              <a:t>6/26/18</a:t>
+              <a:t>6/27/18</a:t>
             </a:fld>
             <a:endParaRPr lang="en-US"/>
           </a:p>
@@ -2736,7 +2736,7 @@
           <a:p>
             <a:fld id="{07AF7C9C-3FFC-F543-8CD5-56B058077314}" type="datetimeFigureOut">
               <a:rPr lang="en-US" smtClean="0"/>
-              <a:t>6/26/18</a:t>
+              <a:t>6/27/18</a:t>
             </a:fld>
             <a:endParaRPr lang="en-US"/>
           </a:p>
@@ -3228,8 +3228,11 @@
             <a:off x="1290686" y="-133074"/>
             <a:ext cx="613385" cy="613385"/>
           </a:xfrm>
-          <a:prstGeom prst="ellipse">
-            <a:avLst/>
+          <a:prstGeom prst="wedgeRectCallout">
+            <a:avLst>
+              <a:gd name="adj1" fmla="val 48987"/>
+              <a:gd name="adj2" fmla="val 66274"/>
+            </a:avLst>
           </a:prstGeom>
           <a:solidFill>
             <a:schemeClr val="bg1">
@@ -3314,7 +3317,7 @@
                                     <p:cond delay="0"/>
                                   </p:stCondLst>
                                   <p:childTnLst>
-                                    <p:animMotion origin="layout" path="M 0.0 0.0 L 0.4 0.4 L 0.6 0.3 " pathEditMode="relative">
+                                    <p:animMotion origin="layout" path="M 0.0 0.0 L 0.4 0.4 L 0.6 0.3 " pathEditMode="fixed">
                                       <p:cBhvr>
                                         <p:cTn id="6" dur="2000" fill="hold"/>
                                         <p:tgtEl>

--- a/donor.pptx
+++ b/donor.pptx
@@ -106,7 +106,7 @@
   </p:defaultTextStyle>
   <p:extLst>
     <p:ext uri="{EFAFB233-063F-42B5-8137-9DF3F51BA10A}">
-      <p15:sldGuideLst xmlns:p15="http://schemas.microsoft.com/office/powerpoint/2012/main">
+      <p15:sldGuideLst xmlns="" xmlns:p15="http://schemas.microsoft.com/office/powerpoint/2012/main">
         <p15:guide id="1" orient="horz" pos="2160">
           <p15:clr>
             <a:srgbClr val="A4A3A4"/>
@@ -304,7 +304,7 @@
           <a:p>
             <a:fld id="{07AF7C9C-3FFC-F543-8CD5-56B058077314}" type="datetimeFigureOut">
               <a:rPr lang="en-US" smtClean="0"/>
-              <a:t>6/27/18</a:t>
+              <a:t>28/06/18</a:t>
             </a:fld>
             <a:endParaRPr lang="en-US"/>
           </a:p>
@@ -474,7 +474,7 @@
           <a:p>
             <a:fld id="{07AF7C9C-3FFC-F543-8CD5-56B058077314}" type="datetimeFigureOut">
               <a:rPr lang="en-US" smtClean="0"/>
-              <a:t>6/27/18</a:t>
+              <a:t>28/06/18</a:t>
             </a:fld>
             <a:endParaRPr lang="en-US"/>
           </a:p>
@@ -654,7 +654,7 @@
           <a:p>
             <a:fld id="{07AF7C9C-3FFC-F543-8CD5-56B058077314}" type="datetimeFigureOut">
               <a:rPr lang="en-US" smtClean="0"/>
-              <a:t>6/27/18</a:t>
+              <a:t>28/06/18</a:t>
             </a:fld>
             <a:endParaRPr lang="en-US"/>
           </a:p>
@@ -824,7 +824,7 @@
           <a:p>
             <a:fld id="{07AF7C9C-3FFC-F543-8CD5-56B058077314}" type="datetimeFigureOut">
               <a:rPr lang="en-US" smtClean="0"/>
-              <a:t>6/27/18</a:t>
+              <a:t>28/06/18</a:t>
             </a:fld>
             <a:endParaRPr lang="en-US"/>
           </a:p>
@@ -1070,7 +1070,7 @@
           <a:p>
             <a:fld id="{07AF7C9C-3FFC-F543-8CD5-56B058077314}" type="datetimeFigureOut">
               <a:rPr lang="en-US" smtClean="0"/>
-              <a:t>6/27/18</a:t>
+              <a:t>28/06/18</a:t>
             </a:fld>
             <a:endParaRPr lang="en-US"/>
           </a:p>
@@ -1358,7 +1358,7 @@
           <a:p>
             <a:fld id="{07AF7C9C-3FFC-F543-8CD5-56B058077314}" type="datetimeFigureOut">
               <a:rPr lang="en-US" smtClean="0"/>
-              <a:t>6/27/18</a:t>
+              <a:t>28/06/18</a:t>
             </a:fld>
             <a:endParaRPr lang="en-US"/>
           </a:p>
@@ -1780,7 +1780,7 @@
           <a:p>
             <a:fld id="{07AF7C9C-3FFC-F543-8CD5-56B058077314}" type="datetimeFigureOut">
               <a:rPr lang="en-US" smtClean="0"/>
-              <a:t>6/27/18</a:t>
+              <a:t>28/06/18</a:t>
             </a:fld>
             <a:endParaRPr lang="en-US"/>
           </a:p>
@@ -1898,7 +1898,7 @@
           <a:p>
             <a:fld id="{07AF7C9C-3FFC-F543-8CD5-56B058077314}" type="datetimeFigureOut">
               <a:rPr lang="en-US" smtClean="0"/>
-              <a:t>6/27/18</a:t>
+              <a:t>28/06/18</a:t>
             </a:fld>
             <a:endParaRPr lang="en-US"/>
           </a:p>
@@ -1993,7 +1993,7 @@
           <a:p>
             <a:fld id="{07AF7C9C-3FFC-F543-8CD5-56B058077314}" type="datetimeFigureOut">
               <a:rPr lang="en-US" smtClean="0"/>
-              <a:t>6/27/18</a:t>
+              <a:t>28/06/18</a:t>
             </a:fld>
             <a:endParaRPr lang="en-US"/>
           </a:p>
@@ -2270,7 +2270,7 @@
           <a:p>
             <a:fld id="{07AF7C9C-3FFC-F543-8CD5-56B058077314}" type="datetimeFigureOut">
               <a:rPr lang="en-US" smtClean="0"/>
-              <a:t>6/27/18</a:t>
+              <a:t>28/06/18</a:t>
             </a:fld>
             <a:endParaRPr lang="en-US"/>
           </a:p>
@@ -2523,7 +2523,7 @@
           <a:p>
             <a:fld id="{07AF7C9C-3FFC-F543-8CD5-56B058077314}" type="datetimeFigureOut">
               <a:rPr lang="en-US" smtClean="0"/>
-              <a:t>6/27/18</a:t>
+              <a:t>28/06/18</a:t>
             </a:fld>
             <a:endParaRPr lang="en-US"/>
           </a:p>
@@ -2736,7 +2736,7 @@
           <a:p>
             <a:fld id="{07AF7C9C-3FFC-F543-8CD5-56B058077314}" type="datetimeFigureOut">
               <a:rPr lang="en-US" smtClean="0"/>
-              <a:t>6/27/18</a:t>
+              <a:t>28/06/18</a:t>
             </a:fld>
             <a:endParaRPr lang="en-US"/>
           </a:p>
@@ -3121,8 +3121,8 @@
         </p:nvSpPr>
         <p:spPr>
           <a:xfrm>
-            <a:off x="1597379" y="173619"/>
-            <a:ext cx="7268828" cy="5263175"/>
+            <a:off x="664748" y="2281866"/>
+            <a:ext cx="5576649" cy="4037911"/>
           </a:xfrm>
           <a:prstGeom prst="rect">
             <a:avLst/>
@@ -3225,8 +3225,8 @@
         </p:nvSpPr>
         <p:spPr>
           <a:xfrm>
-            <a:off x="1290686" y="-133074"/>
-            <a:ext cx="613385" cy="613385"/>
+            <a:off x="983993" y="735821"/>
+            <a:ext cx="613385" cy="354359"/>
           </a:xfrm>
           <a:prstGeom prst="wedgeRectCallout">
             <a:avLst>
@@ -3266,17 +3266,21 @@
           <a:p>
             <a:pPr algn="ctr"/>
             <a:r>
-              <a:rPr lang="en-US" sz="1000" dirty="0" err="1" smtClean="0">
+              <a:rPr lang="en-US" sz="1400" b="1" dirty="0" smtClean="0">
                 <a:solidFill>
                   <a:sysClr val="windowText" lastClr="000000"/>
                 </a:solidFill>
+                <a:latin typeface="Courier New"/>
+                <a:cs typeface="Courier New"/>
               </a:rPr>
-              <a:t>aaaa</a:t>
-            </a:r>
-            <a:endParaRPr lang="en-US" sz="1000" dirty="0">
+              <a:t>AAAA</a:t>
+            </a:r>
+            <a:endParaRPr lang="en-US" sz="1400" b="1" dirty="0">
               <a:solidFill>
                 <a:sysClr val="windowText" lastClr="000000"/>
               </a:solidFill>
+              <a:latin typeface="Courier New"/>
+              <a:cs typeface="Courier New"/>
             </a:endParaRPr>
           </a:p>
         </p:txBody>
@@ -3294,7 +3298,7 @@
   <p:timing>
     <p:tnLst>
       <p:par>
-        <p:cTn id="1" dur="indefinite" restart="never" nodeType="tmRoot">
+        <p:cTn xmlns:p14="http://schemas.microsoft.com/office/powerpoint/2010/main" id="1" dur="indefinite" restart="never" nodeType="tmRoot">
           <p:childTnLst>
             <p:seq concurrent="1" nextAc="seek">
               <p:cTn id="2" dur="indefinite" nodeType="mainSeq">
@@ -3317,7 +3321,7 @@
                                     <p:cond delay="0"/>
                                   </p:stCondLst>
                                   <p:childTnLst>
-                                    <p:animMotion origin="layout" path="M 0.0 0.0 L 0.4 0.4 L 0.6 0.3 " pathEditMode="fixed">
+                                    <p:animMotion origin="layout" path="M 0.03352 -0.10792 L 0.43352 0.29208 L 0.63352 0.19208 " pathEditMode="fixed">
                                       <p:cBhvr>
                                         <p:cTn id="6" dur="2000" fill="hold"/>
                                         <p:tgtEl>

--- a/donor.pptx
+++ b/donor.pptx
@@ -106,7 +106,7 @@
   </p:defaultTextStyle>
   <p:extLst>
     <p:ext uri="{EFAFB233-063F-42B5-8137-9DF3F51BA10A}">
-      <p15:sldGuideLst xmlns="" xmlns:p15="http://schemas.microsoft.com/office/powerpoint/2012/main">
+      <p15:sldGuideLst xmlns:p15="http://schemas.microsoft.com/office/powerpoint/2012/main">
         <p15:guide id="1" orient="horz" pos="2160">
           <p15:clr>
             <a:srgbClr val="A4A3A4"/>
@@ -304,7 +304,7 @@
           <a:p>
             <a:fld id="{07AF7C9C-3FFC-F543-8CD5-56B058077314}" type="datetimeFigureOut">
               <a:rPr lang="en-US" smtClean="0"/>
-              <a:t>28/06/18</a:t>
+              <a:t>6/30/18</a:t>
             </a:fld>
             <a:endParaRPr lang="en-US"/>
           </a:p>
@@ -474,7 +474,7 @@
           <a:p>
             <a:fld id="{07AF7C9C-3FFC-F543-8CD5-56B058077314}" type="datetimeFigureOut">
               <a:rPr lang="en-US" smtClean="0"/>
-              <a:t>28/06/18</a:t>
+              <a:t>6/30/18</a:t>
             </a:fld>
             <a:endParaRPr lang="en-US"/>
           </a:p>
@@ -654,7 +654,7 @@
           <a:p>
             <a:fld id="{07AF7C9C-3FFC-F543-8CD5-56B058077314}" type="datetimeFigureOut">
               <a:rPr lang="en-US" smtClean="0"/>
-              <a:t>28/06/18</a:t>
+              <a:t>6/30/18</a:t>
             </a:fld>
             <a:endParaRPr lang="en-US"/>
           </a:p>
@@ -824,7 +824,7 @@
           <a:p>
             <a:fld id="{07AF7C9C-3FFC-F543-8CD5-56B058077314}" type="datetimeFigureOut">
               <a:rPr lang="en-US" smtClean="0"/>
-              <a:t>28/06/18</a:t>
+              <a:t>6/30/18</a:t>
             </a:fld>
             <a:endParaRPr lang="en-US"/>
           </a:p>
@@ -1070,7 +1070,7 @@
           <a:p>
             <a:fld id="{07AF7C9C-3FFC-F543-8CD5-56B058077314}" type="datetimeFigureOut">
               <a:rPr lang="en-US" smtClean="0"/>
-              <a:t>28/06/18</a:t>
+              <a:t>6/30/18</a:t>
             </a:fld>
             <a:endParaRPr lang="en-US"/>
           </a:p>
@@ -1358,7 +1358,7 @@
           <a:p>
             <a:fld id="{07AF7C9C-3FFC-F543-8CD5-56B058077314}" type="datetimeFigureOut">
               <a:rPr lang="en-US" smtClean="0"/>
-              <a:t>28/06/18</a:t>
+              <a:t>6/30/18</a:t>
             </a:fld>
             <a:endParaRPr lang="en-US"/>
           </a:p>
@@ -1780,7 +1780,7 @@
           <a:p>
             <a:fld id="{07AF7C9C-3FFC-F543-8CD5-56B058077314}" type="datetimeFigureOut">
               <a:rPr lang="en-US" smtClean="0"/>
-              <a:t>28/06/18</a:t>
+              <a:t>6/30/18</a:t>
             </a:fld>
             <a:endParaRPr lang="en-US"/>
           </a:p>
@@ -1898,7 +1898,7 @@
           <a:p>
             <a:fld id="{07AF7C9C-3FFC-F543-8CD5-56B058077314}" type="datetimeFigureOut">
               <a:rPr lang="en-US" smtClean="0"/>
-              <a:t>28/06/18</a:t>
+              <a:t>6/30/18</a:t>
             </a:fld>
             <a:endParaRPr lang="en-US"/>
           </a:p>
@@ -1993,7 +1993,7 @@
           <a:p>
             <a:fld id="{07AF7C9C-3FFC-F543-8CD5-56B058077314}" type="datetimeFigureOut">
               <a:rPr lang="en-US" smtClean="0"/>
-              <a:t>28/06/18</a:t>
+              <a:t>6/30/18</a:t>
             </a:fld>
             <a:endParaRPr lang="en-US"/>
           </a:p>
@@ -2270,7 +2270,7 @@
           <a:p>
             <a:fld id="{07AF7C9C-3FFC-F543-8CD5-56B058077314}" type="datetimeFigureOut">
               <a:rPr lang="en-US" smtClean="0"/>
-              <a:t>28/06/18</a:t>
+              <a:t>6/30/18</a:t>
             </a:fld>
             <a:endParaRPr lang="en-US"/>
           </a:p>
@@ -2523,7 +2523,7 @@
           <a:p>
             <a:fld id="{07AF7C9C-3FFC-F543-8CD5-56B058077314}" type="datetimeFigureOut">
               <a:rPr lang="en-US" smtClean="0"/>
-              <a:t>28/06/18</a:t>
+              <a:t>6/30/18</a:t>
             </a:fld>
             <a:endParaRPr lang="en-US"/>
           </a:p>
@@ -2736,7 +2736,7 @@
           <a:p>
             <a:fld id="{07AF7C9C-3FFC-F543-8CD5-56B058077314}" type="datetimeFigureOut">
               <a:rPr lang="en-US" smtClean="0"/>
-              <a:t>28/06/18</a:t>
+              <a:t>6/30/18</a:t>
             </a:fld>
             <a:endParaRPr lang="en-US"/>
           </a:p>
@@ -3285,6 +3285,145 @@
           </a:p>
         </p:txBody>
       </p:sp>
+      <p:sp>
+        <p:nvSpPr>
+          <p:cNvPr id="6" name="time"/>
+          <p:cNvSpPr txBox="1"/>
+          <p:nvPr/>
+        </p:nvSpPr>
+        <p:spPr>
+          <a:xfrm>
+            <a:off x="7849981" y="6488668"/>
+            <a:ext cx="1294019" cy="369332"/>
+          </a:xfrm>
+          <a:prstGeom prst="rect">
+            <a:avLst/>
+          </a:prstGeom>
+          <a:solidFill>
+            <a:schemeClr val="tx1"/>
+          </a:solidFill>
+        </p:spPr>
+        <p:txBody>
+          <a:bodyPr wrap="square" rtlCol="0">
+            <a:spAutoFit/>
+          </a:bodyPr>
+          <a:lstStyle>
+            <a:defPPr>
+              <a:defRPr lang="en-US"/>
+            </a:defPPr>
+            <a:lvl1pPr marL="0" algn="l" defTabSz="457200" rtl="0" eaLnBrk="1" latinLnBrk="0" hangingPunct="1">
+              <a:defRPr sz="1800" kern="1200">
+                <a:solidFill>
+                  <a:schemeClr val="tx1"/>
+                </a:solidFill>
+                <a:latin typeface="+mn-lt"/>
+                <a:ea typeface="+mn-ea"/>
+                <a:cs typeface="+mn-cs"/>
+              </a:defRPr>
+            </a:lvl1pPr>
+            <a:lvl2pPr marL="457200" algn="l" defTabSz="457200" rtl="0" eaLnBrk="1" latinLnBrk="0" hangingPunct="1">
+              <a:defRPr sz="1800" kern="1200">
+                <a:solidFill>
+                  <a:schemeClr val="tx1"/>
+                </a:solidFill>
+                <a:latin typeface="+mn-lt"/>
+                <a:ea typeface="+mn-ea"/>
+                <a:cs typeface="+mn-cs"/>
+              </a:defRPr>
+            </a:lvl2pPr>
+            <a:lvl3pPr marL="914400" algn="l" defTabSz="457200" rtl="0" eaLnBrk="1" latinLnBrk="0" hangingPunct="1">
+              <a:defRPr sz="1800" kern="1200">
+                <a:solidFill>
+                  <a:schemeClr val="tx1"/>
+                </a:solidFill>
+                <a:latin typeface="+mn-lt"/>
+                <a:ea typeface="+mn-ea"/>
+                <a:cs typeface="+mn-cs"/>
+              </a:defRPr>
+            </a:lvl3pPr>
+            <a:lvl4pPr marL="1371600" algn="l" defTabSz="457200" rtl="0" eaLnBrk="1" latinLnBrk="0" hangingPunct="1">
+              <a:defRPr sz="1800" kern="1200">
+                <a:solidFill>
+                  <a:schemeClr val="tx1"/>
+                </a:solidFill>
+                <a:latin typeface="+mn-lt"/>
+                <a:ea typeface="+mn-ea"/>
+                <a:cs typeface="+mn-cs"/>
+              </a:defRPr>
+            </a:lvl4pPr>
+            <a:lvl5pPr marL="1828800" algn="l" defTabSz="457200" rtl="0" eaLnBrk="1" latinLnBrk="0" hangingPunct="1">
+              <a:defRPr sz="1800" kern="1200">
+                <a:solidFill>
+                  <a:schemeClr val="tx1"/>
+                </a:solidFill>
+                <a:latin typeface="+mn-lt"/>
+                <a:ea typeface="+mn-ea"/>
+                <a:cs typeface="+mn-cs"/>
+              </a:defRPr>
+            </a:lvl5pPr>
+            <a:lvl6pPr marL="2286000" algn="l" defTabSz="457200" rtl="0" eaLnBrk="1" latinLnBrk="0" hangingPunct="1">
+              <a:defRPr sz="1800" kern="1200">
+                <a:solidFill>
+                  <a:schemeClr val="tx1"/>
+                </a:solidFill>
+                <a:latin typeface="+mn-lt"/>
+                <a:ea typeface="+mn-ea"/>
+                <a:cs typeface="+mn-cs"/>
+              </a:defRPr>
+            </a:lvl6pPr>
+            <a:lvl7pPr marL="2743200" algn="l" defTabSz="457200" rtl="0" eaLnBrk="1" latinLnBrk="0" hangingPunct="1">
+              <a:defRPr sz="1800" kern="1200">
+                <a:solidFill>
+                  <a:schemeClr val="tx1"/>
+                </a:solidFill>
+                <a:latin typeface="+mn-lt"/>
+                <a:ea typeface="+mn-ea"/>
+                <a:cs typeface="+mn-cs"/>
+              </a:defRPr>
+            </a:lvl7pPr>
+            <a:lvl8pPr marL="3200400" algn="l" defTabSz="457200" rtl="0" eaLnBrk="1" latinLnBrk="0" hangingPunct="1">
+              <a:defRPr sz="1800" kern="1200">
+                <a:solidFill>
+                  <a:schemeClr val="tx1"/>
+                </a:solidFill>
+                <a:latin typeface="+mn-lt"/>
+                <a:ea typeface="+mn-ea"/>
+                <a:cs typeface="+mn-cs"/>
+              </a:defRPr>
+            </a:lvl8pPr>
+            <a:lvl9pPr marL="3657600" algn="l" defTabSz="457200" rtl="0" eaLnBrk="1" latinLnBrk="0" hangingPunct="1">
+              <a:defRPr sz="1800" kern="1200">
+                <a:solidFill>
+                  <a:schemeClr val="tx1"/>
+                </a:solidFill>
+                <a:latin typeface="+mn-lt"/>
+                <a:ea typeface="+mn-ea"/>
+                <a:cs typeface="+mn-cs"/>
+              </a:defRPr>
+            </a:lvl9pPr>
+          </a:lstStyle>
+          <a:p>
+            <a:pPr algn="ctr"/>
+            <a:r>
+              <a:rPr lang="en-US" dirty="0" smtClean="0">
+                <a:solidFill>
+                  <a:srgbClr val="21FF06"/>
+                </a:solidFill>
+                <a:latin typeface="Courier New"/>
+                <a:cs typeface="Courier New"/>
+              </a:rPr>
+              <a:t>10:23:03</a:t>
+            </a:r>
+            <a:endParaRPr lang="en-US" dirty="0">
+              <a:solidFill>
+                <a:srgbClr val="21FF06"/>
+              </a:solidFill>
+              <a:latin typeface="Courier New"/>
+              <a:cs typeface="Courier New"/>
+            </a:endParaRPr>
+          </a:p>
+        </p:txBody>
+      </p:sp>
     </p:spTree>
     <p:extLst>
       <p:ext uri="{BB962C8B-B14F-4D97-AF65-F5344CB8AC3E}">
@@ -3298,7 +3437,7 @@
   <p:timing>
     <p:tnLst>
       <p:par>
-        <p:cTn xmlns:p14="http://schemas.microsoft.com/office/powerpoint/2010/main" id="1" dur="indefinite" restart="never" nodeType="tmRoot">
+        <p:cTn id="1" dur="indefinite" restart="never" nodeType="tmRoot">
           <p:childTnLst>
             <p:seq concurrent="1" nextAc="seek">
               <p:cTn id="2" dur="indefinite" nodeType="mainSeq">
@@ -3321,7 +3460,7 @@
                                     <p:cond delay="0"/>
                                   </p:stCondLst>
                                   <p:childTnLst>
-                                    <p:animMotion origin="layout" path="M 0.03352 -0.10792 L 0.43352 0.29208 L 0.63352 0.19208 " pathEditMode="fixed">
+                                    <p:animMotion origin="layout" path="M 0 0 L 0 0 C -0.00052 0.02361 -0.0007 0.04723 -0.00156 0.07084 C -0.00174 0.0757 -0.00261 0.08033 -0.00313 0.08519 C -0.00365 0.09074 -0.00417 0.0963 -0.00451 0.10186 C -0.00417 0.11389 -0.00417 0.1257 -0.00313 0.1375 C -0.00261 0.14167 -0.0007 0.14561 0 0.15 C 0.00174 0.1588 0.00156 0.15533 0.00156 0.16042 " pathEditMode="relative" ptsTypes="AAAAAAAA">
                                       <p:cBhvr>
                                         <p:cTn id="6" dur="2000" fill="hold"/>
                                         <p:tgtEl>
@@ -3333,6 +3472,42 @@
                                         </p:attrNameLst>
                                       </p:cBhvr>
                                     </p:animMotion>
+                                  </p:childTnLst>
+                                </p:cTn>
+                              </p:par>
+                            </p:childTnLst>
+                          </p:cTn>
+                        </p:par>
+                        <p:par>
+                          <p:cTn id="7" fill="hold">
+                            <p:stCondLst>
+                              <p:cond delay="2000"/>
+                            </p:stCondLst>
+                            <p:childTnLst>
+                              <p:par>
+                                <p:cTn id="8" presetID="1" presetClass="entr" presetSubtype="0" fill="hold" grpId="0" nodeType="afterEffect">
+                                  <p:stCondLst>
+                                    <p:cond delay="1000"/>
+                                  </p:stCondLst>
+                                  <p:childTnLst>
+                                    <p:set>
+                                      <p:cBhvr>
+                                        <p:cTn id="9" dur="1" fill="hold">
+                                          <p:stCondLst>
+                                            <p:cond delay="0"/>
+                                          </p:stCondLst>
+                                        </p:cTn>
+                                        <p:tgtEl>
+                                          <p:spTgt spid="6"/>
+                                        </p:tgtEl>
+                                        <p:attrNameLst>
+                                          <p:attrName>style.visibility</p:attrName>
+                                        </p:attrNameLst>
+                                      </p:cBhvr>
+                                      <p:to>
+                                        <p:strVal val="visible"/>
+                                      </p:to>
+                                    </p:set>
                                   </p:childTnLst>
                                 </p:cTn>
                               </p:par>
@@ -3365,6 +3540,7 @@
     </p:tnLst>
     <p:bldLst>
       <p:bldP spid="5" grpId="0" animBg="1"/>
+      <p:bldP spid="6" grpId="0" animBg="1"/>
     </p:bldLst>
   </p:timing>
 </p:sld>

--- a/donor.pptx
+++ b/donor.pptx
@@ -304,7 +304,7 @@
           <a:p>
             <a:fld id="{07AF7C9C-3FFC-F543-8CD5-56B058077314}" type="datetimeFigureOut">
               <a:rPr lang="en-US" smtClean="0"/>
-              <a:t>6/30/18</a:t>
+              <a:t>7/9/18</a:t>
             </a:fld>
             <a:endParaRPr lang="en-US"/>
           </a:p>
@@ -474,7 +474,7 @@
           <a:p>
             <a:fld id="{07AF7C9C-3FFC-F543-8CD5-56B058077314}" type="datetimeFigureOut">
               <a:rPr lang="en-US" smtClean="0"/>
-              <a:t>6/30/18</a:t>
+              <a:t>7/9/18</a:t>
             </a:fld>
             <a:endParaRPr lang="en-US"/>
           </a:p>
@@ -654,7 +654,7 @@
           <a:p>
             <a:fld id="{07AF7C9C-3FFC-F543-8CD5-56B058077314}" type="datetimeFigureOut">
               <a:rPr lang="en-US" smtClean="0"/>
-              <a:t>6/30/18</a:t>
+              <a:t>7/9/18</a:t>
             </a:fld>
             <a:endParaRPr lang="en-US"/>
           </a:p>
@@ -824,7 +824,7 @@
           <a:p>
             <a:fld id="{07AF7C9C-3FFC-F543-8CD5-56B058077314}" type="datetimeFigureOut">
               <a:rPr lang="en-US" smtClean="0"/>
-              <a:t>6/30/18</a:t>
+              <a:t>7/9/18</a:t>
             </a:fld>
             <a:endParaRPr lang="en-US"/>
           </a:p>
@@ -1070,7 +1070,7 @@
           <a:p>
             <a:fld id="{07AF7C9C-3FFC-F543-8CD5-56B058077314}" type="datetimeFigureOut">
               <a:rPr lang="en-US" smtClean="0"/>
-              <a:t>6/30/18</a:t>
+              <a:t>7/9/18</a:t>
             </a:fld>
             <a:endParaRPr lang="en-US"/>
           </a:p>
@@ -1358,7 +1358,7 @@
           <a:p>
             <a:fld id="{07AF7C9C-3FFC-F543-8CD5-56B058077314}" type="datetimeFigureOut">
               <a:rPr lang="en-US" smtClean="0"/>
-              <a:t>6/30/18</a:t>
+              <a:t>7/9/18</a:t>
             </a:fld>
             <a:endParaRPr lang="en-US"/>
           </a:p>
@@ -1780,7 +1780,7 @@
           <a:p>
             <a:fld id="{07AF7C9C-3FFC-F543-8CD5-56B058077314}" type="datetimeFigureOut">
               <a:rPr lang="en-US" smtClean="0"/>
-              <a:t>6/30/18</a:t>
+              <a:t>7/9/18</a:t>
             </a:fld>
             <a:endParaRPr lang="en-US"/>
           </a:p>
@@ -1898,7 +1898,7 @@
           <a:p>
             <a:fld id="{07AF7C9C-3FFC-F543-8CD5-56B058077314}" type="datetimeFigureOut">
               <a:rPr lang="en-US" smtClean="0"/>
-              <a:t>6/30/18</a:t>
+              <a:t>7/9/18</a:t>
             </a:fld>
             <a:endParaRPr lang="en-US"/>
           </a:p>
@@ -1993,7 +1993,7 @@
           <a:p>
             <a:fld id="{07AF7C9C-3FFC-F543-8CD5-56B058077314}" type="datetimeFigureOut">
               <a:rPr lang="en-US" smtClean="0"/>
-              <a:t>6/30/18</a:t>
+              <a:t>7/9/18</a:t>
             </a:fld>
             <a:endParaRPr lang="en-US"/>
           </a:p>
@@ -2270,7 +2270,7 @@
           <a:p>
             <a:fld id="{07AF7C9C-3FFC-F543-8CD5-56B058077314}" type="datetimeFigureOut">
               <a:rPr lang="en-US" smtClean="0"/>
-              <a:t>6/30/18</a:t>
+              <a:t>7/9/18</a:t>
             </a:fld>
             <a:endParaRPr lang="en-US"/>
           </a:p>
@@ -2523,7 +2523,7 @@
           <a:p>
             <a:fld id="{07AF7C9C-3FFC-F543-8CD5-56B058077314}" type="datetimeFigureOut">
               <a:rPr lang="en-US" smtClean="0"/>
-              <a:t>6/30/18</a:t>
+              <a:t>7/9/18</a:t>
             </a:fld>
             <a:endParaRPr lang="en-US"/>
           </a:p>
@@ -2736,7 +2736,7 @@
           <a:p>
             <a:fld id="{07AF7C9C-3FFC-F543-8CD5-56B058077314}" type="datetimeFigureOut">
               <a:rPr lang="en-US" smtClean="0"/>
-              <a:t>6/30/18</a:t>
+              <a:t>7/9/18</a:t>
             </a:fld>
             <a:endParaRPr lang="en-US"/>
           </a:p>
@@ -3420,6 +3420,70 @@
               </a:solidFill>
               <a:latin typeface="Courier New"/>
               <a:cs typeface="Courier New"/>
+            </a:endParaRPr>
+          </a:p>
+        </p:txBody>
+      </p:sp>
+      <p:sp>
+        <p:nvSpPr>
+          <p:cNvPr id="3" name="narrative"/>
+          <p:cNvSpPr/>
+          <p:nvPr/>
+        </p:nvSpPr>
+        <p:spPr>
+          <a:xfrm>
+            <a:off x="6241397" y="2281867"/>
+            <a:ext cx="1988203" cy="1732922"/>
+          </a:xfrm>
+          <a:prstGeom prst="rect">
+            <a:avLst/>
+          </a:prstGeom>
+          <a:solidFill>
+            <a:schemeClr val="tx1">
+              <a:lumMod val="95000"/>
+              <a:lumOff val="5000"/>
+            </a:schemeClr>
+          </a:solidFill>
+        </p:spPr>
+        <p:style>
+          <a:lnRef idx="1">
+            <a:schemeClr val="accent1"/>
+          </a:lnRef>
+          <a:fillRef idx="3">
+            <a:schemeClr val="accent1"/>
+          </a:fillRef>
+          <a:effectRef idx="2">
+            <a:schemeClr val="accent1"/>
+          </a:effectRef>
+          <a:fontRef idx="minor">
+            <a:schemeClr val="lt1"/>
+          </a:fontRef>
+        </p:style>
+        <p:txBody>
+          <a:bodyPr rtlCol="0" anchor="ctr"/>
+          <a:lstStyle/>
+          <a:p>
+            <a:pPr algn="ctr"/>
+            <a:r>
+              <a:rPr lang="en-US" sz="1400" dirty="0" smtClean="0">
+                <a:solidFill>
+                  <a:schemeClr val="bg1"/>
+                </a:solidFill>
+              </a:rPr>
+              <a:t>Narrative goes here</a:t>
+            </a:r>
+            <a:r>
+              <a:rPr lang="mr-IN" sz="1400" dirty="0" smtClean="0">
+                <a:solidFill>
+                  <a:schemeClr val="bg1"/>
+                </a:solidFill>
+              </a:rPr>
+              <a:t>…</a:t>
+            </a:r>
+            <a:endParaRPr lang="en-US" sz="1400" dirty="0">
+              <a:solidFill>
+                <a:schemeClr val="bg1"/>
+              </a:solidFill>
             </a:endParaRPr>
           </a:p>
         </p:txBody>

--- a/donor.pptx
+++ b/donor.pptx
@@ -3478,7 +3478,7 @@
                   <a:schemeClr val="bg1"/>
                 </a:solidFill>
               </a:rPr>
-              <a:t>…</a:t>
+              <a:t/>
             </a:r>
             <a:endParaRPr lang="en-US" sz="1400" dirty="0">
               <a:solidFill>

--- a/donor.pptx
+++ b/donor.pptx
@@ -3485,6 +3485,44 @@
                 <a:schemeClr val="bg1"/>
               </a:solidFill>
             </a:endParaRPr>
+          </a:p>
+        </p:txBody>
+      </p:sp>
+      <p:sp>
+        <p:nvSpPr>
+          <p:cNvPr id="10" name="footprint"/>
+          <p:cNvSpPr/>
+          <p:nvPr/>
+        </p:nvSpPr>
+        <p:spPr>
+          <a:xfrm>
+            <a:off x="6800932" y="4118396"/>
+            <a:ext cx="80881" cy="77368"/>
+          </a:xfrm>
+          <a:prstGeom prst="ellipse">
+            <a:avLst/>
+          </a:prstGeom>
+        </p:spPr>
+        <p:style>
+          <a:lnRef idx="1">
+            <a:schemeClr val="accent1"/>
+          </a:lnRef>
+          <a:fillRef idx="3">
+            <a:schemeClr val="accent1"/>
+          </a:fillRef>
+          <a:effectRef idx="2">
+            <a:schemeClr val="accent1"/>
+          </a:effectRef>
+          <a:fontRef idx="minor">
+            <a:schemeClr val="lt1"/>
+          </a:fontRef>
+        </p:style>
+        <p:txBody>
+          <a:bodyPr rtlCol="0" anchor="ctr"/>
+          <a:lstStyle/>
+          <a:p>
+            <a:pPr algn="ctr"/>
+            <a:endParaRPr lang="en-US"/>
           </a:p>
         </p:txBody>
       </p:sp>
